--- a/Fondo voluntario de pensiones.pptx
+++ b/Fondo voluntario de pensiones.pptx
@@ -106,6 +106,11 @@
       </a:defRPr>
     </a:lvl9pPr>
   </p:defaultTextStyle>
+  <p:extLst>
+    <p:ext uri="{EFAFB233-063F-42B5-8137-9DF3F51BA10A}">
+      <p15:sldGuideLst xmlns:p15="http://schemas.microsoft.com/office/powerpoint/2012/main"/>
+    </p:ext>
+  </p:extLst>
 </p:presentation>
 </file>
 
@@ -4553,11 +4558,9 @@
           <a:p>
             <a:pPr lvl="1"/>
             <a:r>
-              <a:rPr lang="es-MX" sz="1600" dirty="0"/>
-              <a:t>La respuesta a la pregunta planteada (a nivel del cliente) es cerrada (si/no) por lo que un modelo de clasificación binaria (en el que hay solo dos posibilidades) es adecuado</a:t>
-            </a:r>
-          </a:p>
-          <a:p>
+              <a:rPr lang="es-MX" sz="1800" dirty="0"/>
+              <a:t>La pregunta (a nivel del cliente) es cerrada (si/no) por lo que un modelo de clasificación binaria (en el que hay solo dos posibilidades) es adecuado</a:t>
+            </a:r>
             <a:endParaRPr lang="es-MX" sz="1600" dirty="0"/>
           </a:p>
           <a:p>
@@ -4565,7 +4568,9 @@
           </a:p>
           <a:p>
             <a:r>
-              <a:rPr lang="es-MX" sz="1600" dirty="0"/>
+              <a:rPr lang="es-MX" sz="1600" dirty="0">
+                <a:latin typeface="Franklin Gothic Book (Cuerpo)"/>
+              </a:rPr>
               <a:t>Proceso</a:t>
             </a:r>
             <a:endParaRPr lang="es-MX" sz="1600" dirty="0">
@@ -4574,6 +4579,7 @@
                   <a:lumMod val="75000"/>
                 </a:schemeClr>
               </a:solidFill>
+              <a:latin typeface="Franklin Gothic Book (Cuerpo)"/>
             </a:endParaRPr>
           </a:p>
           <a:p>
@@ -4586,7 +4592,7 @@
                   </a:schemeClr>
                 </a:solidFill>
                 <a:effectLst/>
-                <a:latin typeface="Söhne"/>
+                <a:latin typeface="Franklin Gothic Book (Cuerpo)"/>
               </a:rPr>
               <a:t>Preprocesamiento de Datos: </a:t>
             </a:r>
@@ -4598,9 +4604,9 @@
                   </a:schemeClr>
                 </a:solidFill>
                 <a:effectLst/>
-                <a:latin typeface="Söhne"/>
+                <a:latin typeface="Franklin Gothic Book (Cuerpo)"/>
               </a:rPr>
-              <a:t>Integración de los datos, Cálculo de los retiros netos mensuales, Generación de características demográficas.</a:t>
+              <a:t>Integración de los datos, Cálculo de los retiros netos mensuales.</a:t>
             </a:r>
           </a:p>
           <a:p>
@@ -4613,7 +4619,7 @@
                   </a:schemeClr>
                 </a:solidFill>
                 <a:effectLst/>
-                <a:latin typeface="Söhne"/>
+                <a:latin typeface="Franklin Gothic Book (Cuerpo)"/>
               </a:rPr>
               <a:t>Selección de Características</a:t>
             </a:r>
@@ -4625,7 +4631,7 @@
                   </a:schemeClr>
                 </a:solidFill>
                 <a:effectLst/>
-                <a:latin typeface="Söhne"/>
+                <a:latin typeface="Franklin Gothic Book (Cuerpo)"/>
               </a:rPr>
               <a:t>: Identificación de características relevantes.</a:t>
             </a:r>
@@ -4640,7 +4646,7 @@
                   </a:schemeClr>
                 </a:solidFill>
                 <a:effectLst/>
-                <a:latin typeface="Söhne"/>
+                <a:latin typeface="Franklin Gothic Book (Cuerpo)"/>
               </a:rPr>
               <a:t>División de Datos: </a:t>
             </a:r>
@@ -4652,7 +4658,7 @@
                   </a:schemeClr>
                 </a:solidFill>
                 <a:effectLst/>
-                <a:latin typeface="Söhne"/>
+                <a:latin typeface="Franklin Gothic Book (Cuerpo)"/>
               </a:rPr>
               <a:t>En conjunto de entrenamiento (70%) y conjunto de prueba (30%).</a:t>
             </a:r>
@@ -4667,7 +4673,7 @@
                   </a:schemeClr>
                 </a:solidFill>
                 <a:effectLst/>
-                <a:latin typeface="Söhne"/>
+                <a:latin typeface="Franklin Gothic Book (Cuerpo)"/>
               </a:rPr>
               <a:t>Entrenamiento del Modelo</a:t>
             </a:r>
@@ -4679,7 +4685,7 @@
                   </a:schemeClr>
                 </a:solidFill>
                 <a:effectLst/>
-                <a:latin typeface="Söhne"/>
+                <a:latin typeface="Franklin Gothic Book (Cuerpo)"/>
               </a:rPr>
               <a:t>: Implementación del algoritmo. </a:t>
             </a:r>
@@ -4694,7 +4700,7 @@
                   </a:schemeClr>
                 </a:solidFill>
                 <a:effectLst/>
-                <a:latin typeface="Söhne"/>
+                <a:latin typeface="Franklin Gothic Book (Cuerpo)"/>
               </a:rPr>
               <a:t>Evaluación del modelo: </a:t>
             </a:r>
@@ -4705,7 +4711,7 @@
                     <a:lumMod val="75000"/>
                   </a:schemeClr>
                 </a:solidFill>
-                <a:latin typeface="Söhne"/>
+                <a:latin typeface="Franklin Gothic Book (Cuerpo)"/>
               </a:rPr>
               <a:t>U</a:t>
             </a:r>
@@ -4717,7 +4723,7 @@
                   </a:schemeClr>
                 </a:solidFill>
                 <a:effectLst/>
-                <a:latin typeface="Söhne"/>
+                <a:latin typeface="Franklin Gothic Book (Cuerpo)"/>
               </a:rPr>
               <a:t>tilizando métricas estadísticas y ajustando según sea necesario</a:t>
             </a:r>
@@ -4727,6 +4733,7 @@
                   <a:lumMod val="75000"/>
                 </a:schemeClr>
               </a:solidFill>
+              <a:latin typeface="Franklin Gothic Book (Cuerpo)"/>
             </a:endParaRPr>
           </a:p>
         </p:txBody>
